--- a/1821121_shimaoka_sotsuken_514.pptx
+++ b/1821121_shimaoka_sotsuken_514.pptx
@@ -4174,8 +4174,32 @@
         </p:blipFill>
         <p:spPr>
           <a:xfrm>
-            <a:off x="2635850" y="1577947"/>
+            <a:off x="5209117" y="1508628"/>
             <a:ext cx="3200129" cy="5030285"/>
+          </a:xfrm>
+          <a:prstGeom prst="rect">
+            <a:avLst/>
+          </a:prstGeom>
+        </p:spPr>
+      </p:pic>
+      <p:pic>
+        <p:nvPicPr>
+          <p:cNvPr id="7" name="図 6"/>
+          <p:cNvPicPr>
+            <a:picLocks noChangeAspect="1"/>
+          </p:cNvPicPr>
+          <p:nvPr/>
+        </p:nvPicPr>
+        <p:blipFill>
+          <a:blip r:embed="rId3"/>
+          <a:stretch>
+            <a:fillRect/>
+          </a:stretch>
+        </p:blipFill>
+        <p:spPr>
+          <a:xfrm>
+            <a:off x="628650" y="1508628"/>
+            <a:ext cx="3068869" cy="2553574"/>
           </a:xfrm>
           <a:prstGeom prst="rect">
             <a:avLst/>
